--- a/figures/演示文稿1.pptx
+++ b/figures/演示文稿1.pptx
@@ -236,9 +236,9 @@
           <a:bodyPr/>
           <a:lstStyle/>
           <a:p>
-            <a:fld id="{589E9AFA-9A3D-4CB6-901A-4014B4F12C73}" type="datetimeFigureOut">
-              <a:rPr lang="zh-CN" altLang="en-US" smtClean="0"/>
-              <a:t>2018/3/14</a:t>
+            <a:fld id="{6B2404CE-AD57-4B37-B2CC-7E070D50C536}" type="datetimeFigureOut">
+              <a:rPr lang="zh-CN" altLang="en-US" smtClean="0"/>
+              <a:t>2018/5/15</a:t>
             </a:fld>
             <a:endParaRPr lang="zh-CN" altLang="en-US"/>
           </a:p>
@@ -278,7 +278,7 @@
           <a:bodyPr/>
           <a:lstStyle/>
           <a:p>
-            <a:fld id="{6195C0C3-9BC2-4384-ACB9-E64B4E1849F3}" type="slidenum">
+            <a:fld id="{2BFC777D-564D-4AFC-B8D2-B8491D912A6E}" type="slidenum">
               <a:rPr lang="zh-CN" altLang="en-US" smtClean="0"/>
               <a:t>‹#›</a:t>
             </a:fld>
@@ -289,7 +289,7 @@
     </p:spTree>
     <p:extLst>
       <p:ext uri="{BB962C8B-B14F-4D97-AF65-F5344CB8AC3E}">
-        <p14:creationId xmlns:p14="http://schemas.microsoft.com/office/powerpoint/2010/main" val="223929922"/>
+        <p14:creationId xmlns:p14="http://schemas.microsoft.com/office/powerpoint/2010/main" val="2840488714"/>
       </p:ext>
     </p:extLst>
   </p:cSld>
@@ -406,9 +406,9 @@
           <a:bodyPr/>
           <a:lstStyle/>
           <a:p>
-            <a:fld id="{589E9AFA-9A3D-4CB6-901A-4014B4F12C73}" type="datetimeFigureOut">
-              <a:rPr lang="zh-CN" altLang="en-US" smtClean="0"/>
-              <a:t>2018/3/14</a:t>
+            <a:fld id="{6B2404CE-AD57-4B37-B2CC-7E070D50C536}" type="datetimeFigureOut">
+              <a:rPr lang="zh-CN" altLang="en-US" smtClean="0"/>
+              <a:t>2018/5/15</a:t>
             </a:fld>
             <a:endParaRPr lang="zh-CN" altLang="en-US"/>
           </a:p>
@@ -448,7 +448,7 @@
           <a:bodyPr/>
           <a:lstStyle/>
           <a:p>
-            <a:fld id="{6195C0C3-9BC2-4384-ACB9-E64B4E1849F3}" type="slidenum">
+            <a:fld id="{2BFC777D-564D-4AFC-B8D2-B8491D912A6E}" type="slidenum">
               <a:rPr lang="zh-CN" altLang="en-US" smtClean="0"/>
               <a:t>‹#›</a:t>
             </a:fld>
@@ -459,7 +459,7 @@
     </p:spTree>
     <p:extLst>
       <p:ext uri="{BB962C8B-B14F-4D97-AF65-F5344CB8AC3E}">
-        <p14:creationId xmlns:p14="http://schemas.microsoft.com/office/powerpoint/2010/main" val="1848515042"/>
+        <p14:creationId xmlns:p14="http://schemas.microsoft.com/office/powerpoint/2010/main" val="1127728692"/>
       </p:ext>
     </p:extLst>
   </p:cSld>
@@ -586,9 +586,9 @@
           <a:bodyPr/>
           <a:lstStyle/>
           <a:p>
-            <a:fld id="{589E9AFA-9A3D-4CB6-901A-4014B4F12C73}" type="datetimeFigureOut">
-              <a:rPr lang="zh-CN" altLang="en-US" smtClean="0"/>
-              <a:t>2018/3/14</a:t>
+            <a:fld id="{6B2404CE-AD57-4B37-B2CC-7E070D50C536}" type="datetimeFigureOut">
+              <a:rPr lang="zh-CN" altLang="en-US" smtClean="0"/>
+              <a:t>2018/5/15</a:t>
             </a:fld>
             <a:endParaRPr lang="zh-CN" altLang="en-US"/>
           </a:p>
@@ -628,7 +628,7 @@
           <a:bodyPr/>
           <a:lstStyle/>
           <a:p>
-            <a:fld id="{6195C0C3-9BC2-4384-ACB9-E64B4E1849F3}" type="slidenum">
+            <a:fld id="{2BFC777D-564D-4AFC-B8D2-B8491D912A6E}" type="slidenum">
               <a:rPr lang="zh-CN" altLang="en-US" smtClean="0"/>
               <a:t>‹#›</a:t>
             </a:fld>
@@ -639,7 +639,7 @@
     </p:spTree>
     <p:extLst>
       <p:ext uri="{BB962C8B-B14F-4D97-AF65-F5344CB8AC3E}">
-        <p14:creationId xmlns:p14="http://schemas.microsoft.com/office/powerpoint/2010/main" val="67808177"/>
+        <p14:creationId xmlns:p14="http://schemas.microsoft.com/office/powerpoint/2010/main" val="3920467571"/>
       </p:ext>
     </p:extLst>
   </p:cSld>
@@ -756,9 +756,9 @@
           <a:bodyPr/>
           <a:lstStyle/>
           <a:p>
-            <a:fld id="{589E9AFA-9A3D-4CB6-901A-4014B4F12C73}" type="datetimeFigureOut">
-              <a:rPr lang="zh-CN" altLang="en-US" smtClean="0"/>
-              <a:t>2018/3/14</a:t>
+            <a:fld id="{6B2404CE-AD57-4B37-B2CC-7E070D50C536}" type="datetimeFigureOut">
+              <a:rPr lang="zh-CN" altLang="en-US" smtClean="0"/>
+              <a:t>2018/5/15</a:t>
             </a:fld>
             <a:endParaRPr lang="zh-CN" altLang="en-US"/>
           </a:p>
@@ -798,7 +798,7 @@
           <a:bodyPr/>
           <a:lstStyle/>
           <a:p>
-            <a:fld id="{6195C0C3-9BC2-4384-ACB9-E64B4E1849F3}" type="slidenum">
+            <a:fld id="{2BFC777D-564D-4AFC-B8D2-B8491D912A6E}" type="slidenum">
               <a:rPr lang="zh-CN" altLang="en-US" smtClean="0"/>
               <a:t>‹#›</a:t>
             </a:fld>
@@ -809,7 +809,7 @@
     </p:spTree>
     <p:extLst>
       <p:ext uri="{BB962C8B-B14F-4D97-AF65-F5344CB8AC3E}">
-        <p14:creationId xmlns:p14="http://schemas.microsoft.com/office/powerpoint/2010/main" val="1998815198"/>
+        <p14:creationId xmlns:p14="http://schemas.microsoft.com/office/powerpoint/2010/main" val="1061333753"/>
       </p:ext>
     </p:extLst>
   </p:cSld>
@@ -1002,9 +1002,9 @@
           <a:bodyPr/>
           <a:lstStyle/>
           <a:p>
-            <a:fld id="{589E9AFA-9A3D-4CB6-901A-4014B4F12C73}" type="datetimeFigureOut">
-              <a:rPr lang="zh-CN" altLang="en-US" smtClean="0"/>
-              <a:t>2018/3/14</a:t>
+            <a:fld id="{6B2404CE-AD57-4B37-B2CC-7E070D50C536}" type="datetimeFigureOut">
+              <a:rPr lang="zh-CN" altLang="en-US" smtClean="0"/>
+              <a:t>2018/5/15</a:t>
             </a:fld>
             <a:endParaRPr lang="zh-CN" altLang="en-US"/>
           </a:p>
@@ -1044,7 +1044,7 @@
           <a:bodyPr/>
           <a:lstStyle/>
           <a:p>
-            <a:fld id="{6195C0C3-9BC2-4384-ACB9-E64B4E1849F3}" type="slidenum">
+            <a:fld id="{2BFC777D-564D-4AFC-B8D2-B8491D912A6E}" type="slidenum">
               <a:rPr lang="zh-CN" altLang="en-US" smtClean="0"/>
               <a:t>‹#›</a:t>
             </a:fld>
@@ -1055,7 +1055,7 @@
     </p:spTree>
     <p:extLst>
       <p:ext uri="{BB962C8B-B14F-4D97-AF65-F5344CB8AC3E}">
-        <p14:creationId xmlns:p14="http://schemas.microsoft.com/office/powerpoint/2010/main" val="3041665188"/>
+        <p14:creationId xmlns:p14="http://schemas.microsoft.com/office/powerpoint/2010/main" val="2859389674"/>
       </p:ext>
     </p:extLst>
   </p:cSld>
@@ -1234,9 +1234,9 @@
           <a:bodyPr/>
           <a:lstStyle/>
           <a:p>
-            <a:fld id="{589E9AFA-9A3D-4CB6-901A-4014B4F12C73}" type="datetimeFigureOut">
-              <a:rPr lang="zh-CN" altLang="en-US" smtClean="0"/>
-              <a:t>2018/3/14</a:t>
+            <a:fld id="{6B2404CE-AD57-4B37-B2CC-7E070D50C536}" type="datetimeFigureOut">
+              <a:rPr lang="zh-CN" altLang="en-US" smtClean="0"/>
+              <a:t>2018/5/15</a:t>
             </a:fld>
             <a:endParaRPr lang="zh-CN" altLang="en-US"/>
           </a:p>
@@ -1276,7 +1276,7 @@
           <a:bodyPr/>
           <a:lstStyle/>
           <a:p>
-            <a:fld id="{6195C0C3-9BC2-4384-ACB9-E64B4E1849F3}" type="slidenum">
+            <a:fld id="{2BFC777D-564D-4AFC-B8D2-B8491D912A6E}" type="slidenum">
               <a:rPr lang="zh-CN" altLang="en-US" smtClean="0"/>
               <a:t>‹#›</a:t>
             </a:fld>
@@ -1287,7 +1287,7 @@
     </p:spTree>
     <p:extLst>
       <p:ext uri="{BB962C8B-B14F-4D97-AF65-F5344CB8AC3E}">
-        <p14:creationId xmlns:p14="http://schemas.microsoft.com/office/powerpoint/2010/main" val="3671848485"/>
+        <p14:creationId xmlns:p14="http://schemas.microsoft.com/office/powerpoint/2010/main" val="2947138134"/>
       </p:ext>
     </p:extLst>
   </p:cSld>
@@ -1601,9 +1601,9 @@
           <a:bodyPr/>
           <a:lstStyle/>
           <a:p>
-            <a:fld id="{589E9AFA-9A3D-4CB6-901A-4014B4F12C73}" type="datetimeFigureOut">
-              <a:rPr lang="zh-CN" altLang="en-US" smtClean="0"/>
-              <a:t>2018/3/14</a:t>
+            <a:fld id="{6B2404CE-AD57-4B37-B2CC-7E070D50C536}" type="datetimeFigureOut">
+              <a:rPr lang="zh-CN" altLang="en-US" smtClean="0"/>
+              <a:t>2018/5/15</a:t>
             </a:fld>
             <a:endParaRPr lang="zh-CN" altLang="en-US"/>
           </a:p>
@@ -1643,7 +1643,7 @@
           <a:bodyPr/>
           <a:lstStyle/>
           <a:p>
-            <a:fld id="{6195C0C3-9BC2-4384-ACB9-E64B4E1849F3}" type="slidenum">
+            <a:fld id="{2BFC777D-564D-4AFC-B8D2-B8491D912A6E}" type="slidenum">
               <a:rPr lang="zh-CN" altLang="en-US" smtClean="0"/>
               <a:t>‹#›</a:t>
             </a:fld>
@@ -1654,7 +1654,7 @@
     </p:spTree>
     <p:extLst>
       <p:ext uri="{BB962C8B-B14F-4D97-AF65-F5344CB8AC3E}">
-        <p14:creationId xmlns:p14="http://schemas.microsoft.com/office/powerpoint/2010/main" val="3053489227"/>
+        <p14:creationId xmlns:p14="http://schemas.microsoft.com/office/powerpoint/2010/main" val="3480677092"/>
       </p:ext>
     </p:extLst>
   </p:cSld>
@@ -1719,9 +1719,9 @@
           <a:bodyPr/>
           <a:lstStyle/>
           <a:p>
-            <a:fld id="{589E9AFA-9A3D-4CB6-901A-4014B4F12C73}" type="datetimeFigureOut">
-              <a:rPr lang="zh-CN" altLang="en-US" smtClean="0"/>
-              <a:t>2018/3/14</a:t>
+            <a:fld id="{6B2404CE-AD57-4B37-B2CC-7E070D50C536}" type="datetimeFigureOut">
+              <a:rPr lang="zh-CN" altLang="en-US" smtClean="0"/>
+              <a:t>2018/5/15</a:t>
             </a:fld>
             <a:endParaRPr lang="zh-CN" altLang="en-US"/>
           </a:p>
@@ -1761,7 +1761,7 @@
           <a:bodyPr/>
           <a:lstStyle/>
           <a:p>
-            <a:fld id="{6195C0C3-9BC2-4384-ACB9-E64B4E1849F3}" type="slidenum">
+            <a:fld id="{2BFC777D-564D-4AFC-B8D2-B8491D912A6E}" type="slidenum">
               <a:rPr lang="zh-CN" altLang="en-US" smtClean="0"/>
               <a:t>‹#›</a:t>
             </a:fld>
@@ -1772,7 +1772,7 @@
     </p:spTree>
     <p:extLst>
       <p:ext uri="{BB962C8B-B14F-4D97-AF65-F5344CB8AC3E}">
-        <p14:creationId xmlns:p14="http://schemas.microsoft.com/office/powerpoint/2010/main" val="2595024927"/>
+        <p14:creationId xmlns:p14="http://schemas.microsoft.com/office/powerpoint/2010/main" val="68131333"/>
       </p:ext>
     </p:extLst>
   </p:cSld>
@@ -1814,9 +1814,9 @@
           <a:bodyPr/>
           <a:lstStyle/>
           <a:p>
-            <a:fld id="{589E9AFA-9A3D-4CB6-901A-4014B4F12C73}" type="datetimeFigureOut">
-              <a:rPr lang="zh-CN" altLang="en-US" smtClean="0"/>
-              <a:t>2018/3/14</a:t>
+            <a:fld id="{6B2404CE-AD57-4B37-B2CC-7E070D50C536}" type="datetimeFigureOut">
+              <a:rPr lang="zh-CN" altLang="en-US" smtClean="0"/>
+              <a:t>2018/5/15</a:t>
             </a:fld>
             <a:endParaRPr lang="zh-CN" altLang="en-US"/>
           </a:p>
@@ -1856,7 +1856,7 @@
           <a:bodyPr/>
           <a:lstStyle/>
           <a:p>
-            <a:fld id="{6195C0C3-9BC2-4384-ACB9-E64B4E1849F3}" type="slidenum">
+            <a:fld id="{2BFC777D-564D-4AFC-B8D2-B8491D912A6E}" type="slidenum">
               <a:rPr lang="zh-CN" altLang="en-US" smtClean="0"/>
               <a:t>‹#›</a:t>
             </a:fld>
@@ -1867,7 +1867,7 @@
     </p:spTree>
     <p:extLst>
       <p:ext uri="{BB962C8B-B14F-4D97-AF65-F5344CB8AC3E}">
-        <p14:creationId xmlns:p14="http://schemas.microsoft.com/office/powerpoint/2010/main" val="315813491"/>
+        <p14:creationId xmlns:p14="http://schemas.microsoft.com/office/powerpoint/2010/main" val="722602939"/>
       </p:ext>
     </p:extLst>
   </p:cSld>
@@ -2091,9 +2091,9 @@
           <a:bodyPr/>
           <a:lstStyle/>
           <a:p>
-            <a:fld id="{589E9AFA-9A3D-4CB6-901A-4014B4F12C73}" type="datetimeFigureOut">
-              <a:rPr lang="zh-CN" altLang="en-US" smtClean="0"/>
-              <a:t>2018/3/14</a:t>
+            <a:fld id="{6B2404CE-AD57-4B37-B2CC-7E070D50C536}" type="datetimeFigureOut">
+              <a:rPr lang="zh-CN" altLang="en-US" smtClean="0"/>
+              <a:t>2018/5/15</a:t>
             </a:fld>
             <a:endParaRPr lang="zh-CN" altLang="en-US"/>
           </a:p>
@@ -2133,7 +2133,7 @@
           <a:bodyPr/>
           <a:lstStyle/>
           <a:p>
-            <a:fld id="{6195C0C3-9BC2-4384-ACB9-E64B4E1849F3}" type="slidenum">
+            <a:fld id="{2BFC777D-564D-4AFC-B8D2-B8491D912A6E}" type="slidenum">
               <a:rPr lang="zh-CN" altLang="en-US" smtClean="0"/>
               <a:t>‹#›</a:t>
             </a:fld>
@@ -2144,7 +2144,7 @@
     </p:spTree>
     <p:extLst>
       <p:ext uri="{BB962C8B-B14F-4D97-AF65-F5344CB8AC3E}">
-        <p14:creationId xmlns:p14="http://schemas.microsoft.com/office/powerpoint/2010/main" val="4113721131"/>
+        <p14:creationId xmlns:p14="http://schemas.microsoft.com/office/powerpoint/2010/main" val="3480409614"/>
       </p:ext>
     </p:extLst>
   </p:cSld>
@@ -2344,9 +2344,9 @@
           <a:bodyPr/>
           <a:lstStyle/>
           <a:p>
-            <a:fld id="{589E9AFA-9A3D-4CB6-901A-4014B4F12C73}" type="datetimeFigureOut">
-              <a:rPr lang="zh-CN" altLang="en-US" smtClean="0"/>
-              <a:t>2018/3/14</a:t>
+            <a:fld id="{6B2404CE-AD57-4B37-B2CC-7E070D50C536}" type="datetimeFigureOut">
+              <a:rPr lang="zh-CN" altLang="en-US" smtClean="0"/>
+              <a:t>2018/5/15</a:t>
             </a:fld>
             <a:endParaRPr lang="zh-CN" altLang="en-US"/>
           </a:p>
@@ -2386,7 +2386,7 @@
           <a:bodyPr/>
           <a:lstStyle/>
           <a:p>
-            <a:fld id="{6195C0C3-9BC2-4384-ACB9-E64B4E1849F3}" type="slidenum">
+            <a:fld id="{2BFC777D-564D-4AFC-B8D2-B8491D912A6E}" type="slidenum">
               <a:rPr lang="zh-CN" altLang="en-US" smtClean="0"/>
               <a:t>‹#›</a:t>
             </a:fld>
@@ -2397,7 +2397,7 @@
     </p:spTree>
     <p:extLst>
       <p:ext uri="{BB962C8B-B14F-4D97-AF65-F5344CB8AC3E}">
-        <p14:creationId xmlns:p14="http://schemas.microsoft.com/office/powerpoint/2010/main" val="130734456"/>
+        <p14:creationId xmlns:p14="http://schemas.microsoft.com/office/powerpoint/2010/main" val="2108560336"/>
       </p:ext>
     </p:extLst>
   </p:cSld>
@@ -2557,9 +2557,9 @@
             </a:lvl1pPr>
           </a:lstStyle>
           <a:p>
-            <a:fld id="{589E9AFA-9A3D-4CB6-901A-4014B4F12C73}" type="datetimeFigureOut">
-              <a:rPr lang="zh-CN" altLang="en-US" smtClean="0"/>
-              <a:t>2018/3/14</a:t>
+            <a:fld id="{6B2404CE-AD57-4B37-B2CC-7E070D50C536}" type="datetimeFigureOut">
+              <a:rPr lang="zh-CN" altLang="en-US" smtClean="0"/>
+              <a:t>2018/5/15</a:t>
             </a:fld>
             <a:endParaRPr lang="zh-CN" altLang="en-US"/>
           </a:p>
@@ -2635,7 +2635,7 @@
             </a:lvl1pPr>
           </a:lstStyle>
           <a:p>
-            <a:fld id="{6195C0C3-9BC2-4384-ACB9-E64B4E1849F3}" type="slidenum">
+            <a:fld id="{2BFC777D-564D-4AFC-B8D2-B8491D912A6E}" type="slidenum">
               <a:rPr lang="zh-CN" altLang="en-US" smtClean="0"/>
               <a:t>‹#›</a:t>
             </a:fld>
@@ -2646,7 +2646,7 @@
     </p:spTree>
     <p:extLst>
       <p:ext uri="{BB962C8B-B14F-4D97-AF65-F5344CB8AC3E}">
-        <p14:creationId xmlns:p14="http://schemas.microsoft.com/office/powerpoint/2010/main" val="396563919"/>
+        <p14:creationId xmlns:p14="http://schemas.microsoft.com/office/powerpoint/2010/main" val="4181602470"/>
       </p:ext>
     </p:extLst>
   </p:cSld>
@@ -2966,14 +2966,14 @@
       </p:grpSpPr>
       <p:pic>
         <p:nvPicPr>
-          <p:cNvPr id="1026" name="Picture 2" descr="https://timgsa.baidu.com/timg?image&amp;quality=80&amp;size=b9999_10000&amp;sec=1521023206228&amp;di=08e3982e3d9909557f4fecd7d8d8afa8&amp;imgtype=0&amp;src=http%3A%2F%2Fwap.yesky.com%2FuploadImages%2F20170412144003354010.png"/>
+          <p:cNvPr id="1026" name="Picture 2" descr="https://timgsa.baidu.com/timg?image&amp;quality=80&amp;size=b9999_10000&amp;sec=1526404399195&amp;di=baec9f01a4c5ab72a76169f0da887bb7&amp;imgtype=0&amp;src=http%3A%2F%2Fimage13.m1905.cn%2Fuploadfile%2F2016%2F0729%2F20160729104003147821.jpg"/>
           <p:cNvPicPr>
             <a:picLocks noChangeAspect="1" noChangeArrowheads="1"/>
           </p:cNvPicPr>
           <p:nvPr/>
         </p:nvPicPr>
         <p:blipFill>
-          <a:blip r:embed="rId2">
+          <a:blip r:embed="rId2" cstate="print">
             <a:extLst>
               <a:ext uri="{28A0092B-C50C-407E-A947-70E740481C1C}">
                 <a14:useLocalDpi xmlns:a14="http://schemas.microsoft.com/office/drawing/2010/main" val="0"/>
@@ -2987,8 +2987,8 @@
         </p:blipFill>
         <p:spPr bwMode="auto">
           <a:xfrm>
-            <a:off x="1249589" y="634319"/>
-            <a:ext cx="3686175" cy="1847851"/>
+            <a:off x="1011917" y="425224"/>
+            <a:ext cx="1890939" cy="1890939"/>
           </a:xfrm>
           <a:prstGeom prst="rect">
             <a:avLst/>
@@ -3007,14 +3007,14 @@
       </p:pic>
       <p:pic>
         <p:nvPicPr>
-          <p:cNvPr id="1028" name="Picture 4" descr="https://timgsa.baidu.com/timg?image&amp;quality=80&amp;size=b9999_10000&amp;sec=1521023296082&amp;di=4a15c5b5f21c62d538ad12d389307061&amp;imgtype=0&amp;src=http%3A%2F%2Fwww.sundaywin.com%2Fuploadfile%2F2015%2F0918%2F20150918111108591.jpg"/>
+          <p:cNvPr id="1028" name="Picture 4" descr="https://timgsa.baidu.com/timg?image&amp;quality=80&amp;size=b9999_10000&amp;sec=1526404437109&amp;di=380fccf8b0ea8f8ae65bdb43ae64b8b8&amp;imgtype=0&amp;src=http%3A%2F%2Fa0.att.hudong.com%2F58%2F13%2F20300543854421147072132503608.jpg"/>
           <p:cNvPicPr>
             <a:picLocks noChangeAspect="1" noChangeArrowheads="1"/>
           </p:cNvPicPr>
           <p:nvPr/>
         </p:nvPicPr>
         <p:blipFill>
-          <a:blip r:embed="rId3">
+          <a:blip r:embed="rId3" cstate="print">
             <a:extLst>
               <a:ext uri="{28A0092B-C50C-407E-A947-70E740481C1C}">
                 <a14:useLocalDpi xmlns:a14="http://schemas.microsoft.com/office/drawing/2010/main" val="0"/>
@@ -3028,8 +3028,8 @@
         </p:blipFill>
         <p:spPr bwMode="auto">
           <a:xfrm>
-            <a:off x="5119461" y="561975"/>
-            <a:ext cx="3286574" cy="1920195"/>
+            <a:off x="2921452" y="464443"/>
+            <a:ext cx="2975430" cy="1855269"/>
           </a:xfrm>
           <a:prstGeom prst="rect">
             <a:avLst/>
@@ -3048,7 +3048,7 @@
       </p:pic>
       <p:pic>
         <p:nvPicPr>
-          <p:cNvPr id="1030" name="Picture 6" descr="https://timgsa.baidu.com/timg?image&amp;quality=80&amp;size=b9999_10000&amp;sec=1521023379429&amp;di=5b9fde1124f7f05c2b0d660ef1a45621&amp;imgtype=0&amp;src=http%3A%2F%2Fdigitalbounds.com%2Fwp-content%2Fuploads%2F2014%2F05%2Ftwitch.png"/>
+          <p:cNvPr id="1030" name="Picture 6" descr="https://timgsa.baidu.com/timg?image&amp;quality=80&amp;size=b9999_10000&amp;sec=1526404506947&amp;di=c6be3b9cfe8059d6e0fd9e50b02c7306&amp;imgtype=0&amp;src=http%3A%2F%2Fn1.itc.cn%2Fimg8%2Fwb%2Frecom%2F2016%2F05%2F20%2F146371160281260412.PNG"/>
           <p:cNvPicPr>
             <a:picLocks noChangeAspect="1" noChangeArrowheads="1"/>
           </p:cNvPicPr>
@@ -3069,8 +3069,8 @@
         </p:blipFill>
         <p:spPr bwMode="auto">
           <a:xfrm>
-            <a:off x="1431471" y="2482170"/>
-            <a:ext cx="3322410" cy="1691318"/>
+            <a:off x="1011917" y="2316163"/>
+            <a:ext cx="3139168" cy="1107271"/>
           </a:xfrm>
           <a:prstGeom prst="rect">
             <a:avLst/>
@@ -3089,14 +3089,14 @@
       </p:pic>
       <p:pic>
         <p:nvPicPr>
-          <p:cNvPr id="1032" name="Picture 8" descr="https://ss2.bdstatic.com/70cFvnSh_Q1YnxGkpoWK1HF6hhy/it/u=1387056977,23670957&amp;fm=27&amp;gp=0.jpg"/>
+          <p:cNvPr id="1032" name="Picture 8" descr="https://timgsa.baidu.com/timg?image&amp;quality=80&amp;size=b9999_10000&amp;sec=1526404532563&amp;di=4b1b02f3265a1a447cdc7700999b84b6&amp;imgtype=0&amp;src=http%3A%2F%2Fcdn2.ettoday.net%2Fimages%2F1556%2Fd1556723.jpg"/>
           <p:cNvPicPr>
             <a:picLocks noChangeAspect="1" noChangeArrowheads="1"/>
           </p:cNvPicPr>
           <p:nvPr/>
         </p:nvPicPr>
         <p:blipFill>
-          <a:blip r:embed="rId5">
+          <a:blip r:embed="rId5" cstate="print">
             <a:extLst>
               <a:ext uri="{28A0092B-C50C-407E-A947-70E740481C1C}">
                 <a14:useLocalDpi xmlns:a14="http://schemas.microsoft.com/office/drawing/2010/main" val="0"/>
@@ -3110,8 +3110,125 @@
         </p:blipFill>
         <p:spPr bwMode="auto">
           <a:xfrm>
-            <a:off x="4893615" y="2707301"/>
-            <a:ext cx="3512420" cy="1241056"/>
+            <a:off x="4151085" y="2316163"/>
+            <a:ext cx="1487715" cy="1115786"/>
+          </a:xfrm>
+          <a:prstGeom prst="rect">
+            <a:avLst/>
+          </a:prstGeom>
+          <a:noFill/>
+          <a:extLst>
+            <a:ext uri="{909E8E84-426E-40DD-AFC4-6F175D3DCCD1}">
+              <a14:hiddenFill xmlns:a14="http://schemas.microsoft.com/office/drawing/2010/main">
+                <a:solidFill>
+                  <a:srgbClr val="FFFFFF"/>
+                </a:solidFill>
+              </a14:hiddenFill>
+            </a:ext>
+          </a:extLst>
+        </p:spPr>
+      </p:pic>
+      <p:pic>
+        <p:nvPicPr>
+          <p:cNvPr id="1034" name="Picture 10" descr="https://timgsa.baidu.com/timg?image&amp;quality=80&amp;size=b9999_10000&amp;sec=1526404597474&amp;di=7de133cfbfff74a1c902a5e672c814b4&amp;imgtype=jpg&amp;src=http%3A%2F%2Fimg0.imgtn.bdimg.com%2Fit%2Fu%3D1431422485%2C3427460279%26fm%3D214%26gp%3D0.jpg"/>
+          <p:cNvPicPr>
+            <a:picLocks noChangeAspect="1" noChangeArrowheads="1"/>
+          </p:cNvPicPr>
+          <p:nvPr/>
+        </p:nvPicPr>
+        <p:blipFill rotWithShape="1">
+          <a:blip r:embed="rId6" cstate="print">
+            <a:extLst>
+              <a:ext uri="{28A0092B-C50C-407E-A947-70E740481C1C}">
+                <a14:useLocalDpi xmlns:a14="http://schemas.microsoft.com/office/drawing/2010/main" val="0"/>
+              </a:ext>
+            </a:extLst>
+          </a:blip>
+          <a:srcRect r="10256" b="12429"/>
+          <a:stretch/>
+        </p:blipFill>
+        <p:spPr bwMode="auto">
+          <a:xfrm>
+            <a:off x="5657396" y="1987689"/>
+            <a:ext cx="2615746" cy="1435745"/>
+          </a:xfrm>
+          <a:prstGeom prst="rect">
+            <a:avLst/>
+          </a:prstGeom>
+          <a:noFill/>
+          <a:extLst>
+            <a:ext uri="{909E8E84-426E-40DD-AFC4-6F175D3DCCD1}">
+              <a14:hiddenFill xmlns:a14="http://schemas.microsoft.com/office/drawing/2010/main">
+                <a:solidFill>
+                  <a:srgbClr val="FFFFFF"/>
+                </a:solidFill>
+              </a14:hiddenFill>
+            </a:ext>
+          </a:extLst>
+        </p:spPr>
+      </p:pic>
+      <p:pic>
+        <p:nvPicPr>
+          <p:cNvPr id="1036" name="Picture 12" descr="https://timgsa.baidu.com/timg?image&amp;quality=80&amp;size=b9999_10000&amp;sec=1526404875198&amp;di=9199dc19278bfba651157ecbe23350ce&amp;imgtype=0&amp;src=http%3A%2F%2Fwww.th7.cn%2Fd%2Ffile%2Fp%2F2016%2F12%2F30%2Fcbeb06fa33a24522cccfefaab08ff5d1.jpg"/>
+          <p:cNvPicPr>
+            <a:picLocks noChangeAspect="1" noChangeArrowheads="1"/>
+          </p:cNvPicPr>
+          <p:nvPr/>
+        </p:nvPicPr>
+        <p:blipFill rotWithShape="1">
+          <a:blip r:embed="rId7">
+            <a:extLst>
+              <a:ext uri="{28A0092B-C50C-407E-A947-70E740481C1C}">
+                <a14:useLocalDpi xmlns:a14="http://schemas.microsoft.com/office/drawing/2010/main" val="0"/>
+              </a:ext>
+            </a:extLst>
+          </a:blip>
+          <a:srcRect l="20293" t="15751" r="19692" b="12748"/>
+          <a:stretch/>
+        </p:blipFill>
+        <p:spPr bwMode="auto">
+          <a:xfrm>
+            <a:off x="5470051" y="465332"/>
+            <a:ext cx="1598159" cy="1523246"/>
+          </a:xfrm>
+          <a:prstGeom prst="rect">
+            <a:avLst/>
+          </a:prstGeom>
+          <a:noFill/>
+          <a:extLst>
+            <a:ext uri="{909E8E84-426E-40DD-AFC4-6F175D3DCCD1}">
+              <a14:hiddenFill xmlns:a14="http://schemas.microsoft.com/office/drawing/2010/main">
+                <a:solidFill>
+                  <a:srgbClr val="FFFFFF"/>
+                </a:solidFill>
+              </a14:hiddenFill>
+            </a:ext>
+          </a:extLst>
+        </p:spPr>
+      </p:pic>
+      <p:pic>
+        <p:nvPicPr>
+          <p:cNvPr id="1038" name="Picture 14" descr="https://timgsa.baidu.com/timg?image&amp;quality=80&amp;size=b9999_10000&amp;sec=1526404985077&amp;di=23c664f318b67f0d4cd52167ea6d1d91&amp;imgtype=0&amp;src=http%3A%2F%2Fwww.veeqi.com%2Fuploadfile%2F2017%2F0318%2F20170318101720457.png"/>
+          <p:cNvPicPr>
+            <a:picLocks noChangeAspect="1" noChangeArrowheads="1"/>
+          </p:cNvPicPr>
+          <p:nvPr/>
+        </p:nvPicPr>
+        <p:blipFill rotWithShape="1">
+          <a:blip r:embed="rId8">
+            <a:extLst>
+              <a:ext uri="{28A0092B-C50C-407E-A947-70E740481C1C}">
+                <a14:useLocalDpi xmlns:a14="http://schemas.microsoft.com/office/drawing/2010/main" val="0"/>
+              </a:ext>
+            </a:extLst>
+          </a:blip>
+          <a:srcRect l="8398" t="10454" r="6483" b="12165"/>
+          <a:stretch/>
+        </p:blipFill>
+        <p:spPr bwMode="auto">
+          <a:xfrm>
+            <a:off x="6987664" y="584886"/>
+            <a:ext cx="1476413" cy="1342194"/>
           </a:xfrm>
           <a:prstGeom prst="rect">
             <a:avLst/>
@@ -3131,7 +3248,7 @@
     </p:spTree>
     <p:extLst>
       <p:ext uri="{BB962C8B-B14F-4D97-AF65-F5344CB8AC3E}">
-        <p14:creationId xmlns:p14="http://schemas.microsoft.com/office/powerpoint/2010/main" val="3692028109"/>
+        <p14:creationId xmlns:p14="http://schemas.microsoft.com/office/powerpoint/2010/main" val="1942937831"/>
       </p:ext>
     </p:extLst>
   </p:cSld>
